--- a/PPT课件/Part4-36：分层项目中EF Core的用法.pptx
+++ b/PPT课件/Part4-36：分层项目中EF Core的用法.pptx
@@ -5,7 +5,7 @@
     <p:sldMasterId id="2147483678" r:id="rId1"/>
   </p:sldMasterIdLst>
   <p:notesMasterIdLst>
-    <p:notesMasterId r:id="rId9"/>
+    <p:notesMasterId r:id="rId10"/>
   </p:notesMasterIdLst>
   <p:sldIdLst>
     <p:sldId id="257" r:id="rId2"/>
@@ -13,8 +13,9 @@
     <p:sldId id="370" r:id="rId4"/>
     <p:sldId id="371" r:id="rId5"/>
     <p:sldId id="372" r:id="rId6"/>
-    <p:sldId id="373" r:id="rId7"/>
-    <p:sldId id="275" r:id="rId8"/>
+    <p:sldId id="374" r:id="rId7"/>
+    <p:sldId id="373" r:id="rId8"/>
+    <p:sldId id="275" r:id="rId9"/>
   </p:sldIdLst>
   <p:sldSz cx="12192000" cy="6858000"/>
   <p:notesSz cx="6858000" cy="9144000"/>
@@ -203,7 +204,7 @@
           <a:p>
             <a:fld id="{0A2FCA5F-0AB4-4B27-9880-843A32CD3FC4}" type="datetimeFigureOut">
               <a:rPr lang="zh-CN" altLang="en-US" smtClean="0"/>
-              <a:t>2021/12/23</a:t>
+              <a:t>2021/12/29</a:t>
             </a:fld>
             <a:endParaRPr lang="zh-CN" altLang="en-US"/>
           </a:p>
@@ -687,7 +688,7 @@
           <a:p>
             <a:fld id="{51EE646F-F65C-4115-9CFB-3F24605268F9}" type="datetimeFigureOut">
               <a:rPr lang="zh-CN" altLang="en-US" smtClean="0"/>
-              <a:t>2021/12/23</a:t>
+              <a:t>2021/12/29</a:t>
             </a:fld>
             <a:endParaRPr lang="zh-CN" altLang="en-US"/>
           </a:p>
@@ -974,7 +975,7 @@
           <a:p>
             <a:fld id="{51EE646F-F65C-4115-9CFB-3F24605268F9}" type="datetimeFigureOut">
               <a:rPr lang="zh-CN" altLang="en-US" smtClean="0"/>
-              <a:t>2021/12/23</a:t>
+              <a:t>2021/12/29</a:t>
             </a:fld>
             <a:endParaRPr lang="zh-CN" altLang="en-US"/>
           </a:p>
@@ -1166,7 +1167,7 @@
           <a:p>
             <a:fld id="{51EE646F-F65C-4115-9CFB-3F24605268F9}" type="datetimeFigureOut">
               <a:rPr lang="zh-CN" altLang="en-US" smtClean="0"/>
-              <a:t>2021/12/23</a:t>
+              <a:t>2021/12/29</a:t>
             </a:fld>
             <a:endParaRPr lang="zh-CN" altLang="en-US"/>
           </a:p>
@@ -1427,7 +1428,7 @@
           <a:p>
             <a:fld id="{51EE646F-F65C-4115-9CFB-3F24605268F9}" type="datetimeFigureOut">
               <a:rPr lang="zh-CN" altLang="en-US" smtClean="0"/>
-              <a:t>2021/12/23</a:t>
+              <a:t>2021/12/29</a:t>
             </a:fld>
             <a:endParaRPr lang="zh-CN" altLang="en-US"/>
           </a:p>
@@ -1851,7 +1852,7 @@
           <a:p>
             <a:fld id="{51EE646F-F65C-4115-9CFB-3F24605268F9}" type="datetimeFigureOut">
               <a:rPr lang="zh-CN" altLang="en-US" smtClean="0"/>
-              <a:t>2021/12/23</a:t>
+              <a:t>2021/12/29</a:t>
             </a:fld>
             <a:endParaRPr lang="zh-CN" altLang="en-US"/>
           </a:p>
@@ -2397,7 +2398,7 @@
           <a:p>
             <a:fld id="{51EE646F-F65C-4115-9CFB-3F24605268F9}" type="datetimeFigureOut">
               <a:rPr lang="zh-CN" altLang="en-US" smtClean="0"/>
-              <a:t>2021/12/23</a:t>
+              <a:t>2021/12/29</a:t>
             </a:fld>
             <a:endParaRPr lang="zh-CN" altLang="en-US"/>
           </a:p>
@@ -3237,7 +3238,7 @@
           <a:p>
             <a:fld id="{51EE646F-F65C-4115-9CFB-3F24605268F9}" type="datetimeFigureOut">
               <a:rPr lang="zh-CN" altLang="en-US" smtClean="0"/>
-              <a:t>2021/12/23</a:t>
+              <a:t>2021/12/29</a:t>
             </a:fld>
             <a:endParaRPr lang="zh-CN" altLang="en-US"/>
           </a:p>
@@ -3407,7 +3408,7 @@
           <a:p>
             <a:fld id="{51EE646F-F65C-4115-9CFB-3F24605268F9}" type="datetimeFigureOut">
               <a:rPr lang="zh-CN" altLang="en-US" smtClean="0"/>
-              <a:t>2021/12/23</a:t>
+              <a:t>2021/12/29</a:t>
             </a:fld>
             <a:endParaRPr lang="zh-CN" altLang="en-US"/>
           </a:p>
@@ -3591,7 +3592,7 @@
           <a:p>
             <a:fld id="{51EE646F-F65C-4115-9CFB-3F24605268F9}" type="datetimeFigureOut">
               <a:rPr lang="zh-CN" altLang="en-US" smtClean="0"/>
-              <a:t>2021/12/23</a:t>
+              <a:t>2021/12/29</a:t>
             </a:fld>
             <a:endParaRPr lang="zh-CN" altLang="en-US"/>
           </a:p>
@@ -3761,7 +3762,7 @@
           <a:p>
             <a:fld id="{51EE646F-F65C-4115-9CFB-3F24605268F9}" type="datetimeFigureOut">
               <a:rPr lang="zh-CN" altLang="en-US" smtClean="0"/>
-              <a:t>2021/12/23</a:t>
+              <a:t>2021/12/29</a:t>
             </a:fld>
             <a:endParaRPr lang="zh-CN" altLang="en-US"/>
           </a:p>
@@ -4009,7 +4010,7 @@
           <a:p>
             <a:fld id="{51EE646F-F65C-4115-9CFB-3F24605268F9}" type="datetimeFigureOut">
               <a:rPr lang="zh-CN" altLang="en-US" smtClean="0"/>
-              <a:t>2021/12/23</a:t>
+              <a:t>2021/12/29</a:t>
             </a:fld>
             <a:endParaRPr lang="zh-CN" altLang="en-US"/>
           </a:p>
@@ -4246,7 +4247,7 @@
           <a:p>
             <a:fld id="{51EE646F-F65C-4115-9CFB-3F24605268F9}" type="datetimeFigureOut">
               <a:rPr lang="zh-CN" altLang="en-US" smtClean="0"/>
-              <a:t>2021/12/23</a:t>
+              <a:t>2021/12/29</a:t>
             </a:fld>
             <a:endParaRPr lang="zh-CN" altLang="en-US"/>
           </a:p>
@@ -4619,7 +4620,7 @@
           <a:p>
             <a:fld id="{51EE646F-F65C-4115-9CFB-3F24605268F9}" type="datetimeFigureOut">
               <a:rPr lang="zh-CN" altLang="en-US" smtClean="0"/>
-              <a:t>2021/12/23</a:t>
+              <a:t>2021/12/29</a:t>
             </a:fld>
             <a:endParaRPr lang="zh-CN" altLang="en-US"/>
           </a:p>
@@ -4737,7 +4738,7 @@
           <a:p>
             <a:fld id="{51EE646F-F65C-4115-9CFB-3F24605268F9}" type="datetimeFigureOut">
               <a:rPr lang="zh-CN" altLang="en-US" smtClean="0"/>
-              <a:t>2021/12/23</a:t>
+              <a:t>2021/12/29</a:t>
             </a:fld>
             <a:endParaRPr lang="zh-CN" altLang="en-US"/>
           </a:p>
@@ -4832,7 +4833,7 @@
           <a:p>
             <a:fld id="{51EE646F-F65C-4115-9CFB-3F24605268F9}" type="datetimeFigureOut">
               <a:rPr lang="zh-CN" altLang="en-US" smtClean="0"/>
-              <a:t>2021/12/23</a:t>
+              <a:t>2021/12/29</a:t>
             </a:fld>
             <a:endParaRPr lang="zh-CN" altLang="en-US"/>
           </a:p>
@@ -5083,7 +5084,7 @@
           <a:p>
             <a:fld id="{51EE646F-F65C-4115-9CFB-3F24605268F9}" type="datetimeFigureOut">
               <a:rPr lang="zh-CN" altLang="en-US" smtClean="0"/>
-              <a:t>2021/12/23</a:t>
+              <a:t>2021/12/29</a:t>
             </a:fld>
             <a:endParaRPr lang="zh-CN" altLang="en-US"/>
           </a:p>
@@ -5370,7 +5371,7 @@
           <a:p>
             <a:fld id="{51EE646F-F65C-4115-9CFB-3F24605268F9}" type="datetimeFigureOut">
               <a:rPr lang="zh-CN" altLang="en-US" smtClean="0"/>
-              <a:t>2021/12/23</a:t>
+              <a:t>2021/12/29</a:t>
             </a:fld>
             <a:endParaRPr lang="zh-CN" altLang="en-US"/>
           </a:p>
@@ -5583,7 +5584,7 @@
           <a:p>
             <a:fld id="{51EE646F-F65C-4115-9CFB-3F24605268F9}" type="datetimeFigureOut">
               <a:rPr lang="zh-CN" altLang="en-US" smtClean="0"/>
-              <a:t>2021/12/23</a:t>
+              <a:t>2021/12/29</a:t>
             </a:fld>
             <a:endParaRPr lang="zh-CN" altLang="en-US"/>
           </a:p>
@@ -7169,6 +7170,748 @@
       </p:grpSpPr>
       <p:sp>
         <p:nvSpPr>
+          <p:cNvPr id="3" name="内容占位符 2">
+            <a:extLst>
+              <a:ext uri="{FF2B5EF4-FFF2-40B4-BE49-F238E27FC236}">
+                <a16:creationId xmlns:a16="http://schemas.microsoft.com/office/drawing/2014/main" id="{DE6F4EB6-06CB-4867-8FAE-357FF7F63969}"/>
+              </a:ext>
+            </a:extLst>
+          </p:cNvPr>
+          <p:cNvSpPr>
+            <a:spLocks noGrp="1"/>
+          </p:cNvSpPr>
+          <p:nvPr>
+            <p:ph idx="1"/>
+          </p:nvPr>
+        </p:nvSpPr>
+        <p:spPr>
+          <a:xfrm>
+            <a:off x="0" y="-1"/>
+            <a:ext cx="11963400" cy="6791325"/>
+          </a:xfrm>
+        </p:spPr>
+        <p:txBody>
+          <a:bodyPr>
+            <a:noAutofit/>
+          </a:bodyPr>
+          <a:lstStyle/>
+          <a:p>
+            <a:pPr marL="0" indent="0">
+              <a:lnSpc>
+                <a:spcPct val="100000"/>
+              </a:lnSpc>
+              <a:spcBef>
+                <a:spcPts val="0"/>
+              </a:spcBef>
+              <a:buNone/>
+            </a:pPr>
+            <a:r>
+              <a:rPr lang="zh-CN" altLang="en-US" sz="1900" dirty="0"/>
+              <a:t>步骤汇总：</a:t>
+            </a:r>
+            <a:endParaRPr lang="en-US" altLang="zh-CN" sz="1900" dirty="0"/>
+          </a:p>
+          <a:p>
+            <a:pPr marL="0" indent="0">
+              <a:lnSpc>
+                <a:spcPct val="100000"/>
+              </a:lnSpc>
+              <a:spcBef>
+                <a:spcPts val="0"/>
+              </a:spcBef>
+              <a:buNone/>
+            </a:pPr>
+            <a:r>
+              <a:rPr lang="en-US" altLang="zh-CN" sz="1900" dirty="0"/>
+              <a:t>1</a:t>
+            </a:r>
+            <a:r>
+              <a:rPr lang="zh-CN" altLang="en-US" sz="1900" dirty="0"/>
+              <a:t>、建类库项目，放实体类、</a:t>
+            </a:r>
+            <a:r>
+              <a:rPr lang="en-US" altLang="zh-CN" sz="1900" dirty="0" err="1"/>
+              <a:t>DbContext</a:t>
+            </a:r>
+            <a:r>
+              <a:rPr lang="zh-CN" altLang="en-US" sz="1900" dirty="0"/>
+              <a:t>、配置类等</a:t>
+            </a:r>
+          </a:p>
+          <a:p>
+            <a:pPr marL="0" indent="0">
+              <a:lnSpc>
+                <a:spcPct val="100000"/>
+              </a:lnSpc>
+              <a:spcBef>
+                <a:spcPts val="0"/>
+              </a:spcBef>
+              <a:buNone/>
+            </a:pPr>
+            <a:r>
+              <a:rPr lang="en-US" altLang="zh-CN" sz="1900" dirty="0" err="1"/>
+              <a:t>DbContext</a:t>
+            </a:r>
+            <a:r>
+              <a:rPr lang="zh-CN" altLang="en-US" sz="1900" dirty="0"/>
+              <a:t>中不配置数据库连接，而是为</a:t>
+            </a:r>
+            <a:r>
+              <a:rPr lang="en-US" altLang="zh-CN" sz="1900" dirty="0" err="1"/>
+              <a:t>DbContext</a:t>
+            </a:r>
+            <a:r>
+              <a:rPr lang="zh-CN" altLang="en-US" sz="1900" dirty="0"/>
+              <a:t>增加一个</a:t>
+            </a:r>
+            <a:r>
+              <a:rPr lang="en-US" altLang="zh-CN" sz="1900" dirty="0" err="1"/>
+              <a:t>DbContextOptions</a:t>
+            </a:r>
+            <a:r>
+              <a:rPr lang="zh-CN" altLang="en-US" sz="1900" dirty="0"/>
+              <a:t>类型的构造函数。</a:t>
+            </a:r>
+          </a:p>
+          <a:p>
+            <a:pPr marL="0" indent="0">
+              <a:lnSpc>
+                <a:spcPct val="100000"/>
+              </a:lnSpc>
+              <a:spcBef>
+                <a:spcPts val="0"/>
+              </a:spcBef>
+              <a:buNone/>
+            </a:pPr>
+            <a:r>
+              <a:rPr lang="en-US" altLang="zh-CN" sz="1900" dirty="0"/>
+              <a:t>2</a:t>
+            </a:r>
+            <a:r>
+              <a:rPr lang="zh-CN" altLang="en-US" sz="1900" dirty="0"/>
+              <a:t>、</a:t>
+            </a:r>
+            <a:r>
+              <a:rPr lang="en-US" altLang="zh-CN" sz="1900" dirty="0" err="1"/>
+              <a:t>EFCore</a:t>
+            </a:r>
+            <a:r>
+              <a:rPr lang="zh-CN" altLang="en-US" sz="1900" dirty="0"/>
+              <a:t>项目安装对应数据库的</a:t>
+            </a:r>
+            <a:r>
+              <a:rPr lang="en-US" altLang="zh-CN" sz="1900" dirty="0" err="1"/>
+              <a:t>EFCore</a:t>
+            </a:r>
+            <a:r>
+              <a:rPr lang="en-US" altLang="zh-CN" sz="1900" dirty="0"/>
+              <a:t> Provider</a:t>
+            </a:r>
+          </a:p>
+          <a:p>
+            <a:pPr marL="0" indent="0">
+              <a:lnSpc>
+                <a:spcPct val="100000"/>
+              </a:lnSpc>
+              <a:spcBef>
+                <a:spcPts val="0"/>
+              </a:spcBef>
+              <a:buNone/>
+            </a:pPr>
+            <a:r>
+              <a:rPr lang="en-US" altLang="zh-CN" sz="1900" dirty="0"/>
+              <a:t>3</a:t>
+            </a:r>
+            <a:r>
+              <a:rPr lang="zh-CN" altLang="en-US" sz="1900" dirty="0"/>
+              <a:t>、</a:t>
+            </a:r>
+            <a:r>
+              <a:rPr lang="en-US" altLang="zh-CN" sz="1900" dirty="0"/>
+              <a:t>asp.net core</a:t>
+            </a:r>
+            <a:r>
+              <a:rPr lang="zh-CN" altLang="en-US" sz="1900" dirty="0"/>
+              <a:t>项目引用</a:t>
+            </a:r>
+            <a:r>
+              <a:rPr lang="en-US" altLang="zh-CN" sz="1900" dirty="0" err="1"/>
+              <a:t>EFCore</a:t>
+            </a:r>
+            <a:r>
+              <a:rPr lang="zh-CN" altLang="en-US" sz="1900" dirty="0"/>
+              <a:t>项目，并且通过</a:t>
+            </a:r>
+            <a:r>
+              <a:rPr lang="en-US" altLang="zh-CN" sz="1900" dirty="0" err="1"/>
+              <a:t>AddDbContext</a:t>
+            </a:r>
+            <a:r>
+              <a:rPr lang="zh-CN" altLang="en-US" sz="1900" dirty="0"/>
+              <a:t>来注入</a:t>
+            </a:r>
+            <a:r>
+              <a:rPr lang="en-US" altLang="zh-CN" sz="1900" dirty="0" err="1"/>
+              <a:t>DbContext</a:t>
+            </a:r>
+            <a:r>
+              <a:rPr lang="zh-CN" altLang="en-US" sz="1900" dirty="0"/>
+              <a:t>及对</a:t>
+            </a:r>
+            <a:r>
+              <a:rPr lang="en-US" altLang="zh-CN" sz="1900" dirty="0" err="1"/>
+              <a:t>DbContext</a:t>
+            </a:r>
+            <a:r>
+              <a:rPr lang="zh-CN" altLang="en-US" sz="1900" dirty="0"/>
+              <a:t>进行配置。</a:t>
+            </a:r>
+          </a:p>
+          <a:p>
+            <a:pPr marL="0" indent="0">
+              <a:lnSpc>
+                <a:spcPct val="100000"/>
+              </a:lnSpc>
+              <a:spcBef>
+                <a:spcPts val="0"/>
+              </a:spcBef>
+              <a:buNone/>
+            </a:pPr>
+            <a:r>
+              <a:rPr lang="en-US" altLang="zh-CN" sz="1900" dirty="0"/>
+              <a:t>4</a:t>
+            </a:r>
+            <a:r>
+              <a:rPr lang="zh-CN" altLang="en-US" sz="1900" dirty="0"/>
+              <a:t>、</a:t>
+            </a:r>
+            <a:r>
+              <a:rPr lang="en-US" altLang="zh-CN" sz="1900" dirty="0"/>
+              <a:t>Controller</a:t>
+            </a:r>
+            <a:r>
+              <a:rPr lang="zh-CN" altLang="en-US" sz="1900" dirty="0"/>
+              <a:t>中就可以注入</a:t>
+            </a:r>
+            <a:r>
+              <a:rPr lang="en-US" altLang="zh-CN" sz="1900" dirty="0" err="1"/>
+              <a:t>DbContext</a:t>
+            </a:r>
+            <a:r>
+              <a:rPr lang="zh-CN" altLang="en-US" sz="1900" dirty="0"/>
+              <a:t>类使用了。</a:t>
+            </a:r>
+          </a:p>
+          <a:p>
+            <a:pPr marL="0" indent="0">
+              <a:lnSpc>
+                <a:spcPct val="100000"/>
+              </a:lnSpc>
+              <a:spcBef>
+                <a:spcPts val="0"/>
+              </a:spcBef>
+              <a:buNone/>
+            </a:pPr>
+            <a:r>
+              <a:rPr lang="en-US" altLang="zh-CN" sz="1900" dirty="0"/>
+              <a:t>5</a:t>
+            </a:r>
+            <a:r>
+              <a:rPr lang="zh-CN" altLang="en-US" sz="1900" dirty="0"/>
+              <a:t>、让开发环境的</a:t>
+            </a:r>
+            <a:r>
+              <a:rPr lang="en-US" altLang="zh-CN" sz="1900" dirty="0"/>
+              <a:t>Add-Migration</a:t>
+            </a:r>
+            <a:r>
+              <a:rPr lang="zh-CN" altLang="en-US" sz="1900" dirty="0"/>
+              <a:t>知道连接哪个数据库</a:t>
+            </a:r>
+          </a:p>
+          <a:p>
+            <a:pPr marL="0" indent="0">
+              <a:lnSpc>
+                <a:spcPct val="100000"/>
+              </a:lnSpc>
+              <a:spcBef>
+                <a:spcPts val="0"/>
+              </a:spcBef>
+              <a:buNone/>
+            </a:pPr>
+            <a:r>
+              <a:rPr lang="zh-CN" altLang="en-US" sz="1900" dirty="0"/>
+              <a:t>在</a:t>
+            </a:r>
+            <a:r>
+              <a:rPr lang="en-US" altLang="zh-CN" sz="1900" dirty="0" err="1"/>
+              <a:t>EFCore</a:t>
+            </a:r>
+            <a:r>
+              <a:rPr lang="zh-CN" altLang="en-US" sz="1900" dirty="0"/>
+              <a:t>项目中创建一个实现了</a:t>
+            </a:r>
+            <a:r>
+              <a:rPr lang="en-US" altLang="zh-CN" sz="1900" dirty="0" err="1"/>
+              <a:t>IDesignTimeDbContextFactory</a:t>
+            </a:r>
+            <a:r>
+              <a:rPr lang="zh-CN" altLang="en-US" sz="1900" dirty="0"/>
+              <a:t>的类。</a:t>
+            </a:r>
+          </a:p>
+          <a:p>
+            <a:pPr marL="0" indent="0">
+              <a:lnSpc>
+                <a:spcPct val="100000"/>
+              </a:lnSpc>
+              <a:spcBef>
+                <a:spcPts val="0"/>
+              </a:spcBef>
+              <a:buNone/>
+            </a:pPr>
+            <a:r>
+              <a:rPr lang="zh-CN" altLang="en-US" sz="1900" dirty="0"/>
+              <a:t>并且在</a:t>
+            </a:r>
+            <a:r>
+              <a:rPr lang="en-US" altLang="zh-CN" sz="1900" dirty="0" err="1"/>
+              <a:t>CreateDbContext</a:t>
+            </a:r>
+            <a:r>
+              <a:rPr lang="zh-CN" altLang="en-US" sz="1900" dirty="0"/>
+              <a:t>返回一个连接开发数据库的</a:t>
+            </a:r>
+            <a:r>
+              <a:rPr lang="en-US" altLang="zh-CN" sz="1900" dirty="0" err="1"/>
+              <a:t>DbContext</a:t>
+            </a:r>
+            <a:r>
+              <a:rPr lang="zh-CN" altLang="en-US" sz="1900" dirty="0"/>
+              <a:t>。</a:t>
+            </a:r>
+          </a:p>
+          <a:p>
+            <a:pPr marL="0" indent="0">
+              <a:lnSpc>
+                <a:spcPct val="100000"/>
+              </a:lnSpc>
+              <a:spcBef>
+                <a:spcPts val="0"/>
+              </a:spcBef>
+              <a:buNone/>
+            </a:pPr>
+            <a:r>
+              <a:rPr lang="zh-CN" altLang="en-US" sz="1900" dirty="0"/>
+              <a:t>        </a:t>
+            </a:r>
+            <a:r>
+              <a:rPr lang="en-US" altLang="zh-CN" sz="1900" dirty="0"/>
+              <a:t>public </a:t>
+            </a:r>
+            <a:r>
+              <a:rPr lang="en-US" altLang="zh-CN" sz="1900" dirty="0" err="1"/>
+              <a:t>MyDbContext</a:t>
+            </a:r>
+            <a:r>
+              <a:rPr lang="en-US" altLang="zh-CN" sz="1900" dirty="0"/>
+              <a:t> </a:t>
+            </a:r>
+            <a:r>
+              <a:rPr lang="en-US" altLang="zh-CN" sz="1900" dirty="0" err="1"/>
+              <a:t>CreateDbContext</a:t>
+            </a:r>
+            <a:r>
+              <a:rPr lang="en-US" altLang="zh-CN" sz="1900" dirty="0"/>
+              <a:t>(string[] </a:t>
+            </a:r>
+            <a:r>
+              <a:rPr lang="en-US" altLang="zh-CN" sz="1900" dirty="0" err="1"/>
+              <a:t>args</a:t>
+            </a:r>
+            <a:r>
+              <a:rPr lang="en-US" altLang="zh-CN" sz="1900" dirty="0"/>
+              <a:t>)</a:t>
+            </a:r>
+          </a:p>
+          <a:p>
+            <a:pPr marL="0" indent="0">
+              <a:lnSpc>
+                <a:spcPct val="100000"/>
+              </a:lnSpc>
+              <a:spcBef>
+                <a:spcPts val="0"/>
+              </a:spcBef>
+              <a:buNone/>
+            </a:pPr>
+            <a:r>
+              <a:rPr lang="en-US" altLang="zh-CN" sz="1900" dirty="0"/>
+              <a:t>        {</a:t>
+            </a:r>
+          </a:p>
+          <a:p>
+            <a:pPr marL="0" indent="0">
+              <a:lnSpc>
+                <a:spcPct val="100000"/>
+              </a:lnSpc>
+              <a:spcBef>
+                <a:spcPts val="0"/>
+              </a:spcBef>
+              <a:buNone/>
+            </a:pPr>
+            <a:r>
+              <a:rPr lang="en-US" altLang="zh-CN" sz="1900" dirty="0"/>
+              <a:t>            </a:t>
+            </a:r>
+            <a:r>
+              <a:rPr lang="en-US" altLang="zh-CN" sz="1900" dirty="0" err="1"/>
+              <a:t>DbContextOptionsBuilder</a:t>
+            </a:r>
+            <a:r>
+              <a:rPr lang="en-US" altLang="zh-CN" sz="1900" dirty="0"/>
+              <a:t>&lt;</a:t>
+            </a:r>
+            <a:r>
+              <a:rPr lang="en-US" altLang="zh-CN" sz="1900" dirty="0" err="1"/>
+              <a:t>MyDbContext</a:t>
+            </a:r>
+            <a:r>
+              <a:rPr lang="en-US" altLang="zh-CN" sz="1900" dirty="0"/>
+              <a:t>&gt; builder = new </a:t>
+            </a:r>
+            <a:r>
+              <a:rPr lang="en-US" altLang="zh-CN" sz="1900" dirty="0" err="1"/>
+              <a:t>DbContextOptionsBuilder</a:t>
+            </a:r>
+            <a:r>
+              <a:rPr lang="en-US" altLang="zh-CN" sz="1900" dirty="0"/>
+              <a:t>&lt;</a:t>
+            </a:r>
+            <a:r>
+              <a:rPr lang="en-US" altLang="zh-CN" sz="1900" dirty="0" err="1"/>
+              <a:t>MyDbContext</a:t>
+            </a:r>
+            <a:r>
+              <a:rPr lang="en-US" altLang="zh-CN" sz="1900" dirty="0"/>
+              <a:t>&gt;();</a:t>
+            </a:r>
+          </a:p>
+          <a:p>
+            <a:pPr marL="0" indent="0">
+              <a:lnSpc>
+                <a:spcPct val="100000"/>
+              </a:lnSpc>
+              <a:spcBef>
+                <a:spcPts val="0"/>
+              </a:spcBef>
+              <a:buNone/>
+            </a:pPr>
+            <a:r>
+              <a:rPr lang="en-US" altLang="zh-CN" sz="1900" dirty="0"/>
+              <a:t>            string </a:t>
+            </a:r>
+            <a:r>
+              <a:rPr lang="en-US" altLang="zh-CN" sz="1900" dirty="0" err="1"/>
+              <a:t>connStr</a:t>
+            </a:r>
+            <a:r>
+              <a:rPr lang="en-US" altLang="zh-CN" sz="1900" dirty="0"/>
+              <a:t> = "Data Source=.;Initial Catalog=demo666;Integrated Security=SSPI;";</a:t>
+            </a:r>
+          </a:p>
+          <a:p>
+            <a:pPr marL="0" indent="0">
+              <a:lnSpc>
+                <a:spcPct val="100000"/>
+              </a:lnSpc>
+              <a:spcBef>
+                <a:spcPts val="0"/>
+              </a:spcBef>
+              <a:buNone/>
+            </a:pPr>
+            <a:r>
+              <a:rPr lang="en-US" altLang="zh-CN" sz="1900" dirty="0"/>
+              <a:t>            </a:t>
+            </a:r>
+            <a:r>
+              <a:rPr lang="en-US" altLang="zh-CN" sz="1900" dirty="0" err="1"/>
+              <a:t>builder.UseSqlServer</a:t>
+            </a:r>
+            <a:r>
+              <a:rPr lang="en-US" altLang="zh-CN" sz="1900" dirty="0"/>
+              <a:t>(</a:t>
+            </a:r>
+            <a:r>
+              <a:rPr lang="en-US" altLang="zh-CN" sz="1900" dirty="0" err="1"/>
+              <a:t>connStr</a:t>
+            </a:r>
+            <a:r>
+              <a:rPr lang="en-US" altLang="zh-CN" sz="1900" dirty="0"/>
+              <a:t>);</a:t>
+            </a:r>
+          </a:p>
+          <a:p>
+            <a:pPr marL="0" indent="0">
+              <a:lnSpc>
+                <a:spcPct val="100000"/>
+              </a:lnSpc>
+              <a:spcBef>
+                <a:spcPts val="0"/>
+              </a:spcBef>
+              <a:buNone/>
+            </a:pPr>
+            <a:r>
+              <a:rPr lang="en-US" altLang="zh-CN" sz="1900" dirty="0"/>
+              <a:t>            </a:t>
+            </a:r>
+            <a:r>
+              <a:rPr lang="en-US" altLang="zh-CN" sz="1900" dirty="0" err="1"/>
+              <a:t>MyDbContext</a:t>
+            </a:r>
+            <a:r>
+              <a:rPr lang="en-US" altLang="zh-CN" sz="1900" dirty="0"/>
+              <a:t> </a:t>
+            </a:r>
+            <a:r>
+              <a:rPr lang="en-US" altLang="zh-CN" sz="1900" dirty="0" err="1"/>
+              <a:t>ctx</a:t>
+            </a:r>
+            <a:r>
+              <a:rPr lang="en-US" altLang="zh-CN" sz="1900" dirty="0"/>
+              <a:t> = new </a:t>
+            </a:r>
+            <a:r>
+              <a:rPr lang="en-US" altLang="zh-CN" sz="1900" dirty="0" err="1"/>
+              <a:t>MyDbContext</a:t>
+            </a:r>
+            <a:r>
+              <a:rPr lang="en-US" altLang="zh-CN" sz="1900" dirty="0"/>
+              <a:t>(</a:t>
+            </a:r>
+            <a:r>
+              <a:rPr lang="en-US" altLang="zh-CN" sz="1900" dirty="0" err="1"/>
+              <a:t>builder.Options</a:t>
+            </a:r>
+            <a:r>
+              <a:rPr lang="en-US" altLang="zh-CN" sz="1900" dirty="0"/>
+              <a:t>);</a:t>
+            </a:r>
+          </a:p>
+          <a:p>
+            <a:pPr marL="0" indent="0">
+              <a:lnSpc>
+                <a:spcPct val="100000"/>
+              </a:lnSpc>
+              <a:spcBef>
+                <a:spcPts val="0"/>
+              </a:spcBef>
+              <a:buNone/>
+            </a:pPr>
+            <a:r>
+              <a:rPr lang="en-US" altLang="zh-CN" sz="1900" dirty="0"/>
+              <a:t>            return </a:t>
+            </a:r>
+            <a:r>
+              <a:rPr lang="en-US" altLang="zh-CN" sz="1900" dirty="0" err="1"/>
+              <a:t>ctx</a:t>
+            </a:r>
+            <a:r>
+              <a:rPr lang="en-US" altLang="zh-CN" sz="1900" dirty="0"/>
+              <a:t>;</a:t>
+            </a:r>
+          </a:p>
+          <a:p>
+            <a:pPr marL="0" indent="0">
+              <a:lnSpc>
+                <a:spcPct val="100000"/>
+              </a:lnSpc>
+              <a:spcBef>
+                <a:spcPts val="0"/>
+              </a:spcBef>
+              <a:buNone/>
+            </a:pPr>
+            <a:r>
+              <a:rPr lang="en-US" altLang="zh-CN" sz="1900" dirty="0"/>
+              <a:t>        }</a:t>
+            </a:r>
+          </a:p>
+          <a:p>
+            <a:pPr marL="0" indent="0">
+              <a:lnSpc>
+                <a:spcPct val="100000"/>
+              </a:lnSpc>
+              <a:spcBef>
+                <a:spcPts val="0"/>
+              </a:spcBef>
+              <a:buNone/>
+            </a:pPr>
+            <a:r>
+              <a:rPr lang="zh-CN" altLang="en-US" sz="1900" dirty="0"/>
+              <a:t>如果不在乎连接字符串被上传到</a:t>
+            </a:r>
+            <a:r>
+              <a:rPr lang="en-US" altLang="zh-CN" sz="1900" dirty="0"/>
+              <a:t>Git</a:t>
+            </a:r>
+            <a:r>
+              <a:rPr lang="zh-CN" altLang="en-US" sz="1900" dirty="0"/>
+              <a:t>，就可以把连接字符串直接写死到</a:t>
+            </a:r>
+            <a:r>
+              <a:rPr lang="en-US" altLang="zh-CN" sz="1900" dirty="0" err="1"/>
+              <a:t>CreateDbContext</a:t>
+            </a:r>
+            <a:r>
+              <a:rPr lang="zh-CN" altLang="en-US" sz="1900" dirty="0"/>
+              <a:t>；如果在乎，那么</a:t>
+            </a:r>
+            <a:r>
+              <a:rPr lang="en-US" altLang="zh-CN" sz="1900" dirty="0" err="1"/>
+              <a:t>CreateDbContext</a:t>
+            </a:r>
+            <a:r>
+              <a:rPr lang="zh-CN" altLang="en-US" sz="1900" dirty="0"/>
+              <a:t>里面很难读取到</a:t>
+            </a:r>
+            <a:r>
+              <a:rPr lang="en-US" altLang="zh-CN" sz="1900" dirty="0"/>
+              <a:t>VS</a:t>
+            </a:r>
+            <a:r>
+              <a:rPr lang="zh-CN" altLang="en-US" sz="1900" dirty="0"/>
+              <a:t>中通过简单的方法设置的环境变量，所以必须把连接字符串配置到</a:t>
+            </a:r>
+            <a:r>
+              <a:rPr lang="en-US" altLang="zh-CN" sz="1900" dirty="0"/>
+              <a:t>Windows</a:t>
+            </a:r>
+            <a:r>
+              <a:rPr lang="zh-CN" altLang="en-US" sz="1900" dirty="0"/>
+              <a:t>的正式的环境变量中，然后再 </a:t>
+            </a:r>
+            <a:r>
+              <a:rPr lang="en-US" altLang="zh-CN" sz="1900" dirty="0" err="1"/>
+              <a:t>Environment.GetEnvironmentVariable</a:t>
+            </a:r>
+            <a:r>
+              <a:rPr lang="zh-CN" altLang="en-US" sz="1900" dirty="0"/>
+              <a:t>读取。</a:t>
+            </a:r>
+          </a:p>
+          <a:p>
+            <a:pPr marL="0" indent="0">
+              <a:lnSpc>
+                <a:spcPct val="100000"/>
+              </a:lnSpc>
+              <a:spcBef>
+                <a:spcPts val="0"/>
+              </a:spcBef>
+              <a:buNone/>
+            </a:pPr>
+            <a:r>
+              <a:rPr lang="en-US" altLang="zh-CN" sz="1900" dirty="0"/>
+              <a:t>6</a:t>
+            </a:r>
+            <a:r>
+              <a:rPr lang="zh-CN" altLang="en-US" sz="1900" dirty="0"/>
+              <a:t>、正常执行</a:t>
+            </a:r>
+            <a:r>
+              <a:rPr lang="en-US" altLang="zh-CN" sz="1900" dirty="0"/>
+              <a:t>Add-Migration</a:t>
+            </a:r>
+            <a:r>
+              <a:rPr lang="zh-CN" altLang="en-US" sz="1900" dirty="0"/>
+              <a:t>、</a:t>
+            </a:r>
+            <a:r>
+              <a:rPr lang="en-US" altLang="zh-CN" sz="1900" dirty="0"/>
+              <a:t>Update-Database</a:t>
+            </a:r>
+            <a:r>
+              <a:rPr lang="zh-CN" altLang="en-US" sz="1900" dirty="0"/>
+              <a:t>迁移就行了。需要把</a:t>
+            </a:r>
+            <a:r>
+              <a:rPr lang="en-US" altLang="zh-CN" sz="1900" dirty="0" err="1"/>
+              <a:t>EFCore</a:t>
+            </a:r>
+            <a:r>
+              <a:rPr lang="zh-CN" altLang="en-US" sz="1900" dirty="0"/>
+              <a:t>项目设置为启动项目，并且在</a:t>
+            </a:r>
+            <a:r>
+              <a:rPr lang="en-US" altLang="zh-CN" sz="1900" dirty="0"/>
+              <a:t>【</a:t>
+            </a:r>
+            <a:r>
+              <a:rPr lang="zh-CN" altLang="en-US" sz="1900" dirty="0"/>
+              <a:t>程序包管理器控制台</a:t>
+            </a:r>
+            <a:r>
+              <a:rPr lang="en-US" altLang="zh-CN" sz="1900" dirty="0"/>
+              <a:t>】</a:t>
+            </a:r>
+            <a:r>
+              <a:rPr lang="zh-CN" altLang="en-US" sz="1900" dirty="0"/>
+              <a:t>中也要选中</a:t>
+            </a:r>
+            <a:r>
+              <a:rPr lang="en-US" altLang="zh-CN" sz="1900" dirty="0" err="1"/>
+              <a:t>EFCore</a:t>
+            </a:r>
+            <a:r>
+              <a:rPr lang="zh-CN" altLang="en-US" sz="1900" dirty="0"/>
+              <a:t>项目，并且安装</a:t>
+            </a:r>
+            <a:r>
+              <a:rPr lang="en-US" altLang="zh-CN" sz="1900" dirty="0" err="1"/>
+              <a:t>Microsoft.EntityFrameworkCore.SqlServer</a:t>
+            </a:r>
+            <a:r>
+              <a:rPr lang="zh-CN" altLang="en-US" sz="1900" dirty="0"/>
+              <a:t>、</a:t>
+            </a:r>
+            <a:r>
+              <a:rPr lang="en-US" altLang="zh-CN" sz="1900" dirty="0" err="1"/>
+              <a:t>Microsoft.EntityFrameworkCore.Tools</a:t>
+            </a:r>
+            <a:endParaRPr lang="zh-CN" altLang="en-US" sz="1900" dirty="0"/>
+          </a:p>
+        </p:txBody>
+      </p:sp>
+    </p:spTree>
+    <p:extLst>
+      <p:ext uri="{BB962C8B-B14F-4D97-AF65-F5344CB8AC3E}">
+        <p14:creationId xmlns:p14="http://schemas.microsoft.com/office/powerpoint/2010/main" val="4142763850"/>
+      </p:ext>
+    </p:extLst>
+  </p:cSld>
+  <p:clrMapOvr>
+    <a:masterClrMapping/>
+  </p:clrMapOvr>
+</p:sld>
+</file>
+
+<file path=ppt/slides/slide7.xml><?xml version="1.0" encoding="utf-8"?>
+<p:sld xmlns:a="http://schemas.openxmlformats.org/drawingml/2006/main" xmlns:r="http://schemas.openxmlformats.org/officeDocument/2006/relationships" xmlns:p="http://schemas.openxmlformats.org/presentationml/2006/main">
+  <p:cSld>
+    <p:spTree>
+      <p:nvGrpSpPr>
+        <p:cNvPr id="1" name=""/>
+        <p:cNvGrpSpPr/>
+        <p:nvPr/>
+      </p:nvGrpSpPr>
+      <p:grpSpPr>
+        <a:xfrm>
+          <a:off x="0" y="0"/>
+          <a:ext cx="0" cy="0"/>
+          <a:chOff x="0" y="0"/>
+          <a:chExt cx="0" cy="0"/>
+        </a:xfrm>
+      </p:grpSpPr>
+      <p:sp>
+        <p:nvSpPr>
           <p:cNvPr id="2" name="标题 1">
             <a:extLst>
               <a:ext uri="{FF2B5EF4-FFF2-40B4-BE49-F238E27FC236}">
@@ -7462,7 +8205,7 @@
 </p:sld>
 </file>
 
-<file path=ppt/slides/slide7.xml><?xml version="1.0" encoding="utf-8"?>
+<file path=ppt/slides/slide8.xml><?xml version="1.0" encoding="utf-8"?>
 <p:sld xmlns:a="http://schemas.openxmlformats.org/drawingml/2006/main" xmlns:r="http://schemas.openxmlformats.org/officeDocument/2006/relationships" xmlns:p="http://schemas.openxmlformats.org/presentationml/2006/main">
   <p:cSld>
     <p:spTree>
